--- a/Evaluation/SchemaBDD.pptx
+++ b/Evaluation/SchemaBDD.pptx
@@ -3046,7 +3046,7 @@
         <p:spPr>
           <a:xfrm>
             <a:off x="1262" y="0"/>
-            <a:ext cx="5688632" cy="1754326"/>
+            <a:ext cx="4354714" cy="1323439"/>
           </a:xfrm>
           <a:prstGeom prst="rect">
             <a:avLst/>
@@ -3060,80 +3060,78 @@
           <a:lstStyle/>
           <a:p>
             <a:r>
-              <a:rPr lang="en-US" dirty="0"/>
+              <a:rPr lang="en-US" sz="1600" dirty="0"/>
               <a:t>CREATE TABLE `</a:t>
             </a:r>
             <a:r>
-              <a:rPr lang="en-US" b="1" dirty="0" err="1"/>
+              <a:rPr lang="en-US" sz="1600" b="1" dirty="0" err="1"/>
               <a:t>eleve_competences</a:t>
             </a:r>
             <a:r>
-              <a:rPr lang="en-US" dirty="0"/>
+              <a:rPr lang="en-US" sz="1600" dirty="0"/>
               <a:t>` (</a:t>
             </a:r>
           </a:p>
           <a:p>
             <a:r>
-              <a:rPr lang="en-US" dirty="0"/>
+              <a:rPr lang="en-US" sz="1600" dirty="0"/>
               <a:t>	`</a:t>
             </a:r>
             <a:r>
-              <a:rPr lang="en-US" dirty="0" err="1"/>
+              <a:rPr lang="en-US" sz="1600" dirty="0" err="1"/>
               <a:t>id_eleve</a:t>
             </a:r>
             <a:r>
-              <a:rPr lang="en-US" dirty="0"/>
+              <a:rPr lang="en-US" sz="1600" dirty="0"/>
               <a:t>`	INTEGER NOT NULL,</a:t>
             </a:r>
           </a:p>
           <a:p>
             <a:r>
-              <a:rPr lang="en-US" dirty="0"/>
+              <a:rPr lang="en-US" sz="1600" dirty="0"/>
               <a:t>	`</a:t>
             </a:r>
             <a:r>
-              <a:rPr lang="en-US" dirty="0" err="1"/>
+              <a:rPr lang="en-US" sz="1600" dirty="0" err="1"/>
               <a:t>id_competence</a:t>
             </a:r>
             <a:r>
-              <a:rPr lang="en-US" dirty="0"/>
+              <a:rPr lang="en-US" sz="1600" dirty="0"/>
               <a:t>`	TEXT NOT NULL,</a:t>
             </a:r>
           </a:p>
           <a:p>
             <a:r>
-              <a:rPr lang="en-US" dirty="0"/>
+              <a:rPr lang="en-US" sz="1600" dirty="0"/>
               <a:t>	`</a:t>
             </a:r>
             <a:r>
-              <a:rPr lang="en-US" dirty="0" err="1"/>
+              <a:rPr lang="en-US" sz="1600" dirty="0" err="1"/>
               <a:t>id_ds</a:t>
             </a:r>
             <a:r>
-              <a:rPr lang="en-US" dirty="0"/>
+              <a:rPr lang="en-US" sz="1600" dirty="0"/>
               <a:t>`	INTEGER NOT NULL,</a:t>
             </a:r>
           </a:p>
           <a:p>
             <a:r>
-              <a:rPr lang="en-US" dirty="0"/>
+              <a:rPr lang="en-US" sz="1600" dirty="0"/>
               <a:t>	`</a:t>
             </a:r>
             <a:r>
-              <a:rPr lang="en-US" dirty="0" err="1"/>
+              <a:rPr lang="en-US" sz="1600" dirty="0" err="1"/>
               <a:t>reussite</a:t>
             </a:r>
             <a:r>
-              <a:rPr lang="en-US" dirty="0"/>
-              <a:t>`	INTEGER NOT NULL</a:t>
-            </a:r>
-          </a:p>
-          <a:p>
-            <a:r>
-              <a:rPr lang="en-US" dirty="0"/>
-              <a:t>);</a:t>
-            </a:r>
-            <a:endParaRPr lang="fr-FR" dirty="0"/>
+              <a:rPr lang="en-US" sz="1600" dirty="0"/>
+              <a:t>`	INTEGER NOT </a:t>
+            </a:r>
+            <a:r>
+              <a:rPr lang="en-US" sz="1600" dirty="0" smtClean="0"/>
+              <a:t>NULL );</a:t>
+            </a:r>
+            <a:endParaRPr lang="fr-FR" sz="1600" dirty="0"/>
           </a:p>
         </p:txBody>
       </p:sp>
@@ -3146,7 +3144,7 @@
         <p:spPr>
           <a:xfrm>
             <a:off x="0" y="1754326"/>
-            <a:ext cx="5688632" cy="1754326"/>
+            <a:ext cx="5688632" cy="1569660"/>
           </a:xfrm>
           <a:prstGeom prst="rect">
             <a:avLst/>
@@ -3160,64 +3158,84 @@
           <a:lstStyle/>
           <a:p>
             <a:r>
-              <a:rPr lang="en-US" dirty="0"/>
+              <a:rPr lang="en-US" sz="1600" dirty="0"/>
               <a:t>CREATE TABLE `ds` (</a:t>
             </a:r>
           </a:p>
           <a:p>
             <a:r>
-              <a:rPr lang="en-US" dirty="0"/>
+              <a:rPr lang="en-US" sz="1600" dirty="0"/>
               <a:t>	`</a:t>
             </a:r>
             <a:r>
-              <a:rPr lang="en-US" dirty="0" err="1"/>
+              <a:rPr lang="en-US" sz="1600" dirty="0" err="1"/>
+              <a:t>annee</a:t>
+            </a:r>
+            <a:r>
+              <a:rPr lang="en-US" sz="1600" dirty="0"/>
+              <a:t>`	INTEGER,</a:t>
+            </a:r>
+          </a:p>
+          <a:p>
+            <a:r>
+              <a:rPr lang="en-US" sz="1600" dirty="0"/>
+              <a:t>	`</a:t>
+            </a:r>
+            <a:r>
+              <a:rPr lang="en-US" sz="1600" dirty="0" err="1"/>
+              <a:t>id_comp</a:t>
+            </a:r>
+            <a:r>
+              <a:rPr lang="en-US" sz="1600" dirty="0"/>
+              <a:t>`	INTEGER,</a:t>
+            </a:r>
+          </a:p>
+          <a:p>
+            <a:r>
+              <a:rPr lang="en-US" sz="1600" dirty="0"/>
+              <a:t>	`</a:t>
+            </a:r>
+            <a:r>
+              <a:rPr lang="en-US" sz="1600" dirty="0" err="1"/>
+              <a:t>num_ds</a:t>
+            </a:r>
+            <a:r>
+              <a:rPr lang="en-US" sz="1600" dirty="0"/>
+              <a:t>`	INTEGER,</a:t>
+            </a:r>
+          </a:p>
+          <a:p>
+            <a:r>
+              <a:rPr lang="en-US" sz="1600" dirty="0"/>
+              <a:t>	`</a:t>
+            </a:r>
+            <a:r>
+              <a:rPr lang="en-US" sz="1600" dirty="0" err="1"/>
+              <a:t>num_question</a:t>
+            </a:r>
+            <a:r>
+              <a:rPr lang="en-US" sz="1600" dirty="0"/>
+              <a:t>`	INTEGER,</a:t>
+            </a:r>
+          </a:p>
+          <a:p>
+            <a:r>
+              <a:rPr lang="en-US" sz="1600" dirty="0"/>
+              <a:t>	`</a:t>
+            </a:r>
+            <a:r>
+              <a:rPr lang="en-US" sz="1600" dirty="0" err="1"/>
               <a:t>id_ds</a:t>
             </a:r>
             <a:r>
-              <a:rPr lang="en-US" dirty="0"/>
-              <a:t>`	INTEGER NOT NULL,</a:t>
-            </a:r>
-          </a:p>
-          <a:p>
-            <a:r>
-              <a:rPr lang="en-US" dirty="0"/>
-              <a:t>	`date`	REAL,</a:t>
-            </a:r>
-          </a:p>
-          <a:p>
-            <a:r>
-              <a:rPr lang="en-US" dirty="0"/>
-              <a:t>	`</a:t>
-            </a:r>
-            <a:r>
-              <a:rPr lang="en-US" dirty="0" err="1"/>
-              <a:t>id_comp</a:t>
-            </a:r>
-            <a:r>
-              <a:rPr lang="en-US" dirty="0"/>
-              <a:t>`	INTEGER,</a:t>
-            </a:r>
-          </a:p>
-          <a:p>
-            <a:r>
-              <a:rPr lang="en-US" dirty="0"/>
-              <a:t>	`</a:t>
-            </a:r>
-            <a:r>
-              <a:rPr lang="en-US" dirty="0" err="1"/>
-              <a:t>numero</a:t>
-            </a:r>
-            <a:r>
-              <a:rPr lang="en-US" dirty="0"/>
-              <a:t>`	INTEGER</a:t>
-            </a:r>
-          </a:p>
-          <a:p>
-            <a:r>
-              <a:rPr lang="en-US" dirty="0"/>
-              <a:t>);</a:t>
-            </a:r>
-            <a:endParaRPr lang="fr-FR" dirty="0"/>
+              <a:rPr lang="en-US" sz="1600" dirty="0"/>
+              <a:t>`	</a:t>
+            </a:r>
+            <a:r>
+              <a:rPr lang="en-US" sz="1600" dirty="0" smtClean="0"/>
+              <a:t>INTEGER );</a:t>
+            </a:r>
+            <a:endParaRPr lang="fr-FR" sz="1600" dirty="0"/>
           </a:p>
         </p:txBody>
       </p:sp>
@@ -3229,8 +3247,8 @@
         </p:nvSpPr>
         <p:spPr>
           <a:xfrm>
-            <a:off x="1262" y="3508652"/>
-            <a:ext cx="8120136" cy="3416320"/>
+            <a:off x="15458" y="3785651"/>
+            <a:ext cx="9021038" cy="2893100"/>
           </a:xfrm>
           <a:prstGeom prst="rect">
             <a:avLst/>
@@ -3244,118 +3262,118 @@
           <a:lstStyle/>
           <a:p>
             <a:r>
-              <a:rPr lang="en-US" dirty="0"/>
+              <a:rPr lang="en-US" sz="1600" dirty="0"/>
               <a:t>CREATE TABLE `</a:t>
             </a:r>
             <a:r>
-              <a:rPr lang="en-US" dirty="0" err="1"/>
+              <a:rPr lang="en-US" sz="1600" dirty="0" err="1"/>
               <a:t>eleves</a:t>
             </a:r>
             <a:r>
-              <a:rPr lang="en-US" dirty="0"/>
+              <a:rPr lang="en-US" sz="1600" dirty="0"/>
               <a:t>` (</a:t>
             </a:r>
           </a:p>
           <a:p>
             <a:r>
-              <a:rPr lang="en-US" dirty="0"/>
+              <a:rPr lang="en-US" sz="1600" dirty="0"/>
               <a:t>	`</a:t>
             </a:r>
             <a:r>
-              <a:rPr lang="en-US" dirty="0" err="1"/>
+              <a:rPr lang="en-US" sz="1600" dirty="0" err="1"/>
               <a:t>id_eleve</a:t>
             </a:r>
             <a:r>
-              <a:rPr lang="en-US" dirty="0"/>
+              <a:rPr lang="en-US" sz="1600" dirty="0"/>
               <a:t>`	INTEGER NOT NULL PRIMARY KEY AUTOINCREMENT UNIQUE,</a:t>
             </a:r>
           </a:p>
           <a:p>
             <a:r>
-              <a:rPr lang="en-US" dirty="0"/>
+              <a:rPr lang="en-US" sz="1600" dirty="0"/>
               <a:t>	`nom`	TEXT NOT NULL,</a:t>
             </a:r>
           </a:p>
           <a:p>
             <a:r>
-              <a:rPr lang="en-US" dirty="0"/>
+              <a:rPr lang="en-US" sz="1600" dirty="0"/>
               <a:t>	`</a:t>
             </a:r>
             <a:r>
-              <a:rPr lang="en-US" dirty="0" err="1"/>
+              <a:rPr lang="en-US" sz="1600" dirty="0" err="1"/>
               <a:t>prenom</a:t>
             </a:r>
             <a:r>
-              <a:rPr lang="en-US" dirty="0"/>
+              <a:rPr lang="en-US" sz="1600" dirty="0"/>
               <a:t>`	TEXT NOT NULL,</a:t>
             </a:r>
           </a:p>
           <a:p>
             <a:r>
-              <a:rPr lang="en-US" dirty="0"/>
+              <a:rPr lang="en-US" sz="1600" dirty="0"/>
               <a:t>	`naissance`	TEXT,</a:t>
             </a:r>
           </a:p>
           <a:p>
             <a:r>
-              <a:rPr lang="en-US" dirty="0"/>
+              <a:rPr lang="en-US" sz="1600" dirty="0"/>
               <a:t>	`</a:t>
             </a:r>
             <a:r>
-              <a:rPr lang="en-US" dirty="0" err="1"/>
+              <a:rPr lang="en-US" sz="1600" dirty="0" err="1"/>
               <a:t>lycee_bac</a:t>
             </a:r>
             <a:r>
-              <a:rPr lang="en-US" dirty="0"/>
+              <a:rPr lang="en-US" sz="1600" dirty="0"/>
               <a:t>`	TEXT,</a:t>
             </a:r>
           </a:p>
           <a:p>
             <a:r>
-              <a:rPr lang="en-US" dirty="0"/>
+              <a:rPr lang="en-US" sz="1600" dirty="0"/>
               <a:t>	`</a:t>
             </a:r>
             <a:r>
-              <a:rPr lang="en-US" dirty="0" err="1"/>
+              <a:rPr lang="en-US" sz="1600" dirty="0" err="1"/>
               <a:t>annee_integration</a:t>
             </a:r>
             <a:r>
-              <a:rPr lang="en-US" dirty="0"/>
+              <a:rPr lang="en-US" sz="1600" dirty="0"/>
               <a:t>`	NUMERIC,</a:t>
             </a:r>
           </a:p>
           <a:p>
             <a:r>
-              <a:rPr lang="en-US" dirty="0"/>
+              <a:rPr lang="en-US" sz="1600" dirty="0"/>
               <a:t>	`</a:t>
             </a:r>
             <a:r>
-              <a:rPr lang="en-US" dirty="0" err="1"/>
+              <a:rPr lang="en-US" sz="1600" dirty="0" err="1"/>
               <a:t>ecole_integree</a:t>
             </a:r>
             <a:r>
-              <a:rPr lang="en-US" dirty="0"/>
+              <a:rPr lang="en-US" sz="1600" dirty="0"/>
               <a:t>`	TEXT,</a:t>
             </a:r>
           </a:p>
           <a:p>
             <a:r>
-              <a:rPr lang="en-US" dirty="0"/>
+              <a:rPr lang="en-US" sz="1600" dirty="0"/>
               <a:t>	`job`	TEXT,</a:t>
             </a:r>
           </a:p>
           <a:p>
             <a:r>
-              <a:rPr lang="en-US" dirty="0"/>
+              <a:rPr lang="en-US" sz="1600" dirty="0"/>
               <a:t>	`mail`	TEXT NOT NULL</a:t>
             </a:r>
           </a:p>
           <a:p>
             <a:r>
-              <a:rPr lang="en-US" dirty="0"/>
+              <a:rPr lang="en-US" sz="1600" dirty="0"/>
               <a:t>);</a:t>
             </a:r>
-            <a:endParaRPr lang="fr-FR" dirty="0"/>
+            <a:endParaRPr lang="fr-FR" sz="1600" dirty="0"/>
           </a:p>
         </p:txBody>
       </p:sp>
@@ -3367,8 +3385,8 @@
         </p:nvSpPr>
         <p:spPr>
           <a:xfrm>
-            <a:off x="5277082" y="0"/>
-            <a:ext cx="5688632" cy="1754326"/>
+            <a:off x="4556646" y="-1"/>
+            <a:ext cx="4479850" cy="1323439"/>
           </a:xfrm>
           <a:prstGeom prst="rect">
             <a:avLst/>
@@ -3382,80 +3400,74 @@
           <a:lstStyle/>
           <a:p>
             <a:r>
-              <a:rPr lang="en-US" dirty="0"/>
+              <a:rPr lang="en-US" sz="1600" dirty="0"/>
               <a:t>CREATE TABLE `</a:t>
             </a:r>
             <a:r>
-              <a:rPr lang="en-US" dirty="0" err="1"/>
+              <a:rPr lang="en-US" sz="1600" dirty="0" err="1"/>
               <a:t>table_competences</a:t>
             </a:r>
             <a:r>
-              <a:rPr lang="en-US" dirty="0"/>
+              <a:rPr lang="en-US" sz="1600" dirty="0"/>
               <a:t>` (</a:t>
             </a:r>
           </a:p>
           <a:p>
             <a:r>
-              <a:rPr lang="en-US" dirty="0"/>
+              <a:rPr lang="en-US" sz="1600" dirty="0"/>
               <a:t>	`</a:t>
             </a:r>
             <a:r>
-              <a:rPr lang="en-US" dirty="0" err="1"/>
+              <a:rPr lang="en-US" sz="1600" dirty="0" err="1"/>
               <a:t>id_competence</a:t>
             </a:r>
             <a:r>
-              <a:rPr lang="en-US" dirty="0"/>
+              <a:rPr lang="en-US" sz="1600" dirty="0"/>
               <a:t>`	TEXT NOT NULL,</a:t>
             </a:r>
           </a:p>
           <a:p>
             <a:r>
-              <a:rPr lang="en-US" dirty="0"/>
+              <a:rPr lang="en-US" sz="1600" dirty="0"/>
               <a:t>	`</a:t>
             </a:r>
             <a:r>
-              <a:rPr lang="en-US" dirty="0" err="1"/>
+              <a:rPr lang="en-US" sz="1600" dirty="0" err="1"/>
               <a:t>nom_long</a:t>
             </a:r>
             <a:r>
-              <a:rPr lang="en-US" dirty="0"/>
+              <a:rPr lang="en-US" sz="1600" dirty="0"/>
               <a:t>`	TEXT,</a:t>
             </a:r>
           </a:p>
           <a:p>
             <a:r>
-              <a:rPr lang="en-US" dirty="0"/>
+              <a:rPr lang="en-US" sz="1600" dirty="0"/>
               <a:t>	`</a:t>
             </a:r>
             <a:r>
-              <a:rPr lang="en-US" dirty="0" err="1"/>
+              <a:rPr lang="en-US" sz="1600" dirty="0" err="1"/>
               <a:t>nom_court</a:t>
             </a:r>
             <a:r>
-              <a:rPr lang="en-US" dirty="0"/>
+              <a:rPr lang="en-US" sz="1600" dirty="0"/>
               <a:t>`	TEXT,</a:t>
             </a:r>
           </a:p>
           <a:p>
             <a:r>
-              <a:rPr lang="en-US" dirty="0"/>
+              <a:rPr lang="en-US" sz="1600" dirty="0"/>
               <a:t>	PRIMARY KEY(`</a:t>
             </a:r>
             <a:r>
-              <a:rPr lang="en-US" dirty="0" err="1"/>
+              <a:rPr lang="en-US" sz="1600" dirty="0" err="1"/>
               <a:t>id_competence</a:t>
             </a:r>
             <a:r>
-              <a:rPr lang="en-US" dirty="0"/>
-              <a:t>`)</a:t>
-            </a:r>
-          </a:p>
-          <a:p>
-            <a:r>
-              <a:rPr lang="en-US" dirty="0"/>
-              <a:t>);</a:t>
-            </a:r>
-            <a:endParaRPr lang="fr-FR" dirty="0"/>
+              <a:rPr lang="en-US" sz="1600" dirty="0" smtClean="0"/>
+              <a:t>`) );</a:t>
+            </a:r>
+            <a:endParaRPr lang="fr-FR" sz="1600" dirty="0"/>
           </a:p>
         </p:txBody>
       </p:sp>
@@ -3646,16 +3658,30 @@
         </p:nvSpPr>
         <p:spPr/>
         <p:txBody>
-          <a:bodyPr/>
+          <a:bodyPr>
+            <a:normAutofit fontScale="90000"/>
+          </a:bodyPr>
           <a:lstStyle/>
           <a:p>
             <a:r>
               <a:rPr lang="fr-FR" dirty="0" smtClean="0"/>
-              <a:t>Remplissage de la </a:t>
-            </a:r>
-            <a:r>
-              <a:rPr lang="fr-FR" smtClean="0"/>
-              <a:t>table otes_DS</a:t>
+              <a:t>Remplissage </a:t>
+            </a:r>
+            <a:r>
+              <a:rPr lang="fr-FR" dirty="0" smtClean="0"/>
+              <a:t>des tables </a:t>
+            </a:r>
+            <a:r>
+              <a:rPr lang="fr-FR" dirty="0" err="1" smtClean="0"/>
+              <a:t>ds</a:t>
+            </a:r>
+            <a:r>
+              <a:rPr lang="fr-FR" dirty="0" smtClean="0"/>
+              <a:t> et </a:t>
+            </a:r>
+            <a:r>
+              <a:rPr lang="fr-FR" dirty="0" err="1" smtClean="0"/>
+              <a:t>eleve_competences</a:t>
             </a:r>
             <a:endParaRPr lang="fr-FR" dirty="0"/>
           </a:p>
@@ -3671,14 +3697,23 @@
             <p:ph idx="1"/>
           </p:nvPr>
         </p:nvSpPr>
-        <p:spPr/>
+        <p:spPr>
+          <a:xfrm>
+            <a:off x="457200" y="1600201"/>
+            <a:ext cx="8229600" cy="3688140"/>
+          </a:xfrm>
+        </p:spPr>
         <p:txBody>
           <a:bodyPr/>
           <a:lstStyle/>
           <a:p>
             <a:r>
               <a:rPr lang="fr-FR" dirty="0" smtClean="0"/>
-              <a:t>Pour chaque DS, le fichier de note doit comprendre : </a:t>
+              <a:t>Pour </a:t>
+            </a:r>
+            <a:r>
+              <a:rPr lang="fr-FR" dirty="0" smtClean="0"/>
+              <a:t>chaque DS, le fichier de note doit comprendre : </a:t>
             </a:r>
           </a:p>
           <a:p>
@@ -3687,7 +3722,249 @@
               <a:rPr lang="fr-FR" dirty="0" err="1" smtClean="0"/>
               <a:t>Id_eleve</a:t>
             </a:r>
+            <a:r>
+              <a:rPr lang="fr-FR" dirty="0" smtClean="0"/>
+              <a:t>, </a:t>
+            </a:r>
+            <a:r>
+              <a:rPr lang="fr-FR" dirty="0" err="1" smtClean="0"/>
+              <a:t>num_ds,annee</a:t>
+            </a:r>
+            <a:r>
+              <a:rPr lang="fr-FR" dirty="0" smtClean="0"/>
+              <a:t>, </a:t>
+            </a:r>
+            <a:r>
+              <a:rPr lang="fr-FR" dirty="0" err="1" smtClean="0"/>
+              <a:t>nb_questions</a:t>
+            </a:r>
+            <a:r>
+              <a:rPr lang="fr-FR" dirty="0" smtClean="0"/>
+              <a:t>, </a:t>
+            </a:r>
+            <a:r>
+              <a:rPr lang="fr-FR" dirty="0" err="1" smtClean="0"/>
+              <a:t>num_questions</a:t>
+            </a:r>
+            <a:r>
+              <a:rPr lang="fr-FR" dirty="0" smtClean="0"/>
+              <a:t>, poids (sur 5), barème, note (par rapport au poids), </a:t>
+            </a:r>
+            <a:r>
+              <a:rPr lang="fr-FR" dirty="0" err="1" smtClean="0"/>
+              <a:t>num</a:t>
+            </a:r>
+            <a:r>
+              <a:rPr lang="fr-FR" dirty="0" smtClean="0"/>
+              <a:t> </a:t>
+            </a:r>
+            <a:r>
+              <a:rPr lang="fr-FR" smtClean="0"/>
+              <a:t>competence.</a:t>
+            </a:r>
             <a:endParaRPr lang="fr-FR" dirty="0"/>
+          </a:p>
+        </p:txBody>
+      </p:sp>
+      <p:sp>
+        <p:nvSpPr>
+          <p:cNvPr id="4" name="ZoneTexte 3"/>
+          <p:cNvSpPr txBox="1"/>
+          <p:nvPr/>
+        </p:nvSpPr>
+        <p:spPr>
+          <a:xfrm>
+            <a:off x="0" y="5542923"/>
+            <a:ext cx="4354714" cy="1323439"/>
+          </a:xfrm>
+          <a:prstGeom prst="rect">
+            <a:avLst/>
+          </a:prstGeom>
+          <a:noFill/>
+        </p:spPr>
+        <p:txBody>
+          <a:bodyPr wrap="square" rtlCol="0">
+            <a:spAutoFit/>
+          </a:bodyPr>
+          <a:lstStyle/>
+          <a:p>
+            <a:r>
+              <a:rPr lang="en-US" sz="1600" dirty="0"/>
+              <a:t>CREATE TABLE `</a:t>
+            </a:r>
+            <a:r>
+              <a:rPr lang="en-US" sz="1600" b="1" dirty="0" err="1"/>
+              <a:t>eleve_competences</a:t>
+            </a:r>
+            <a:r>
+              <a:rPr lang="en-US" sz="1600" dirty="0"/>
+              <a:t>` (</a:t>
+            </a:r>
+          </a:p>
+          <a:p>
+            <a:r>
+              <a:rPr lang="en-US" sz="1600" dirty="0"/>
+              <a:t>	`</a:t>
+            </a:r>
+            <a:r>
+              <a:rPr lang="en-US" sz="1600" dirty="0" err="1"/>
+              <a:t>id_eleve</a:t>
+            </a:r>
+            <a:r>
+              <a:rPr lang="en-US" sz="1600" dirty="0"/>
+              <a:t>`	INTEGER NOT NULL,</a:t>
+            </a:r>
+          </a:p>
+          <a:p>
+            <a:r>
+              <a:rPr lang="en-US" sz="1600" dirty="0"/>
+              <a:t>	`</a:t>
+            </a:r>
+            <a:r>
+              <a:rPr lang="en-US" sz="1600" dirty="0" err="1"/>
+              <a:t>id_competence</a:t>
+            </a:r>
+            <a:r>
+              <a:rPr lang="en-US" sz="1600" dirty="0"/>
+              <a:t>`	TEXT NOT NULL,</a:t>
+            </a:r>
+          </a:p>
+          <a:p>
+            <a:r>
+              <a:rPr lang="en-US" sz="1600" dirty="0"/>
+              <a:t>	`</a:t>
+            </a:r>
+            <a:r>
+              <a:rPr lang="en-US" sz="1600" dirty="0" err="1"/>
+              <a:t>id_ds</a:t>
+            </a:r>
+            <a:r>
+              <a:rPr lang="en-US" sz="1600" dirty="0"/>
+              <a:t>`	INTEGER NOT NULL,</a:t>
+            </a:r>
+          </a:p>
+          <a:p>
+            <a:r>
+              <a:rPr lang="en-US" sz="1600" dirty="0"/>
+              <a:t>	`</a:t>
+            </a:r>
+            <a:r>
+              <a:rPr lang="en-US" sz="1600" dirty="0" err="1"/>
+              <a:t>reussite</a:t>
+            </a:r>
+            <a:r>
+              <a:rPr lang="en-US" sz="1600" dirty="0"/>
+              <a:t>`	INTEGER NOT </a:t>
+            </a:r>
+            <a:r>
+              <a:rPr lang="en-US" sz="1600" dirty="0" smtClean="0"/>
+              <a:t>NULL );</a:t>
+            </a:r>
+            <a:endParaRPr lang="fr-FR" sz="1600" dirty="0"/>
+          </a:p>
+        </p:txBody>
+      </p:sp>
+      <p:sp>
+        <p:nvSpPr>
+          <p:cNvPr id="5" name="ZoneTexte 4"/>
+          <p:cNvSpPr txBox="1"/>
+          <p:nvPr/>
+        </p:nvSpPr>
+        <p:spPr>
+          <a:xfrm>
+            <a:off x="4572000" y="5288340"/>
+            <a:ext cx="5688632" cy="1569660"/>
+          </a:xfrm>
+          <a:prstGeom prst="rect">
+            <a:avLst/>
+          </a:prstGeom>
+          <a:noFill/>
+        </p:spPr>
+        <p:txBody>
+          <a:bodyPr wrap="square" rtlCol="0">
+            <a:spAutoFit/>
+          </a:bodyPr>
+          <a:lstStyle/>
+          <a:p>
+            <a:r>
+              <a:rPr lang="en-US" sz="1600" dirty="0"/>
+              <a:t>CREATE TABLE `ds` (</a:t>
+            </a:r>
+          </a:p>
+          <a:p>
+            <a:r>
+              <a:rPr lang="en-US" sz="1600" dirty="0"/>
+              <a:t>	`</a:t>
+            </a:r>
+            <a:r>
+              <a:rPr lang="en-US" sz="1600" dirty="0" err="1"/>
+              <a:t>annee</a:t>
+            </a:r>
+            <a:r>
+              <a:rPr lang="en-US" sz="1600" dirty="0"/>
+              <a:t>`	INTEGER,</a:t>
+            </a:r>
+          </a:p>
+          <a:p>
+            <a:r>
+              <a:rPr lang="en-US" sz="1600" dirty="0"/>
+              <a:t>	`</a:t>
+            </a:r>
+            <a:r>
+              <a:rPr lang="en-US" sz="1600" dirty="0" err="1"/>
+              <a:t>id_comp</a:t>
+            </a:r>
+            <a:r>
+              <a:rPr lang="en-US" sz="1600" dirty="0"/>
+              <a:t>`	INTEGER,</a:t>
+            </a:r>
+          </a:p>
+          <a:p>
+            <a:r>
+              <a:rPr lang="en-US" sz="1600" dirty="0"/>
+              <a:t>	`</a:t>
+            </a:r>
+            <a:r>
+              <a:rPr lang="en-US" sz="1600" dirty="0" err="1"/>
+              <a:t>num_ds</a:t>
+            </a:r>
+            <a:r>
+              <a:rPr lang="en-US" sz="1600" dirty="0"/>
+              <a:t>`	INTEGER,</a:t>
+            </a:r>
+          </a:p>
+          <a:p>
+            <a:r>
+              <a:rPr lang="en-US" sz="1600" dirty="0"/>
+              <a:t>	`</a:t>
+            </a:r>
+            <a:r>
+              <a:rPr lang="en-US" sz="1600" dirty="0" err="1"/>
+              <a:t>num_question</a:t>
+            </a:r>
+            <a:r>
+              <a:rPr lang="en-US" sz="1600" dirty="0"/>
+              <a:t>`	INTEGER,</a:t>
+            </a:r>
+          </a:p>
+          <a:p>
+            <a:r>
+              <a:rPr lang="en-US" sz="1600" dirty="0"/>
+              <a:t>	`</a:t>
+            </a:r>
+            <a:r>
+              <a:rPr lang="en-US" sz="1600" dirty="0" err="1"/>
+              <a:t>id_ds</a:t>
+            </a:r>
+            <a:r>
+              <a:rPr lang="en-US" sz="1600" dirty="0"/>
+              <a:t>`	</a:t>
+            </a:r>
+            <a:r>
+              <a:rPr lang="en-US" sz="1600" dirty="0" smtClean="0"/>
+              <a:t>INTEGER );</a:t>
+            </a:r>
+            <a:endParaRPr lang="fr-FR" sz="1600" dirty="0"/>
           </a:p>
         </p:txBody>
       </p:sp>
